--- a/docs/songs/firm foundation - he wont.pptx
+++ b/docs/songs/firm foundation - he wont.pptx
@@ -12,6 +12,7 @@
     <p:sldId id="659" r:id="rId6"/>
     <p:sldId id="660" r:id="rId7"/>
     <p:sldId id="713" r:id="rId8"/>
+    <p:sldId id="1225" r:id="rId9"/>
   </p:sldIdLst>
   <p:sldSz cx="9144000" cy="6858000" type="screen4x3"/>
   <p:notesSz cx="6858000" cy="9144000"/>
@@ -311,7 +312,7 @@
             <a:fld id="{26EA1CF3-4A15-4CBF-9A5A-6A56C368BE71}" type="datetimeFigureOut">
               <a:rPr lang="en-GB" smtClean="0"/>
               <a:pPr/>
-              <a:t>03/10/2022</a:t>
+              <a:t>08/07/2024</a:t>
             </a:fld>
             <a:endParaRPr lang="en-GB"/>
           </a:p>
@@ -478,7 +479,7 @@
             <a:fld id="{26EA1CF3-4A15-4CBF-9A5A-6A56C368BE71}" type="datetimeFigureOut">
               <a:rPr lang="en-GB" smtClean="0"/>
               <a:pPr/>
-              <a:t>03/10/2022</a:t>
+              <a:t>08/07/2024</a:t>
             </a:fld>
             <a:endParaRPr lang="en-GB"/>
           </a:p>
@@ -655,7 +656,7 @@
             <a:fld id="{26EA1CF3-4A15-4CBF-9A5A-6A56C368BE71}" type="datetimeFigureOut">
               <a:rPr lang="en-GB" smtClean="0"/>
               <a:pPr/>
-              <a:t>03/10/2022</a:t>
+              <a:t>08/07/2024</a:t>
             </a:fld>
             <a:endParaRPr lang="en-GB"/>
           </a:p>
@@ -822,7 +823,7 @@
             <a:fld id="{26EA1CF3-4A15-4CBF-9A5A-6A56C368BE71}" type="datetimeFigureOut">
               <a:rPr lang="en-GB" smtClean="0"/>
               <a:pPr/>
-              <a:t>03/10/2022</a:t>
+              <a:t>08/07/2024</a:t>
             </a:fld>
             <a:endParaRPr lang="en-GB"/>
           </a:p>
@@ -1065,7 +1066,7 @@
             <a:fld id="{26EA1CF3-4A15-4CBF-9A5A-6A56C368BE71}" type="datetimeFigureOut">
               <a:rPr lang="en-GB" smtClean="0"/>
               <a:pPr/>
-              <a:t>03/10/2022</a:t>
+              <a:t>08/07/2024</a:t>
             </a:fld>
             <a:endParaRPr lang="en-GB"/>
           </a:p>
@@ -1350,7 +1351,7 @@
             <a:fld id="{26EA1CF3-4A15-4CBF-9A5A-6A56C368BE71}" type="datetimeFigureOut">
               <a:rPr lang="en-GB" smtClean="0"/>
               <a:pPr/>
-              <a:t>03/10/2022</a:t>
+              <a:t>08/07/2024</a:t>
             </a:fld>
             <a:endParaRPr lang="en-GB"/>
           </a:p>
@@ -1769,7 +1770,7 @@
             <a:fld id="{26EA1CF3-4A15-4CBF-9A5A-6A56C368BE71}" type="datetimeFigureOut">
               <a:rPr lang="en-GB" smtClean="0"/>
               <a:pPr/>
-              <a:t>03/10/2022</a:t>
+              <a:t>08/07/2024</a:t>
             </a:fld>
             <a:endParaRPr lang="en-GB"/>
           </a:p>
@@ -1884,7 +1885,7 @@
             <a:fld id="{26EA1CF3-4A15-4CBF-9A5A-6A56C368BE71}" type="datetimeFigureOut">
               <a:rPr lang="en-GB" smtClean="0"/>
               <a:pPr/>
-              <a:t>03/10/2022</a:t>
+              <a:t>08/07/2024</a:t>
             </a:fld>
             <a:endParaRPr lang="en-GB"/>
           </a:p>
@@ -1976,7 +1977,7 @@
             <a:fld id="{26EA1CF3-4A15-4CBF-9A5A-6A56C368BE71}" type="datetimeFigureOut">
               <a:rPr lang="en-GB" smtClean="0"/>
               <a:pPr/>
-              <a:t>03/10/2022</a:t>
+              <a:t>08/07/2024</a:t>
             </a:fld>
             <a:endParaRPr lang="en-GB"/>
           </a:p>
@@ -2250,7 +2251,7 @@
             <a:fld id="{26EA1CF3-4A15-4CBF-9A5A-6A56C368BE71}" type="datetimeFigureOut">
               <a:rPr lang="en-GB" smtClean="0"/>
               <a:pPr/>
-              <a:t>03/10/2022</a:t>
+              <a:t>08/07/2024</a:t>
             </a:fld>
             <a:endParaRPr lang="en-GB"/>
           </a:p>
@@ -2500,7 +2501,7 @@
             <a:fld id="{26EA1CF3-4A15-4CBF-9A5A-6A56C368BE71}" type="datetimeFigureOut">
               <a:rPr lang="en-GB" smtClean="0"/>
               <a:pPr/>
-              <a:t>03/10/2022</a:t>
+              <a:t>08/07/2024</a:t>
             </a:fld>
             <a:endParaRPr lang="en-GB"/>
           </a:p>
@@ -2713,7 +2714,7 @@
             <a:fld id="{26EA1CF3-4A15-4CBF-9A5A-6A56C368BE71}" type="datetimeFigureOut">
               <a:rPr lang="en-GB" smtClean="0"/>
               <a:pPr/>
-              <a:t>03/10/2022</a:t>
+              <a:t>08/07/2024</a:t>
             </a:fld>
             <a:endParaRPr lang="en-GB"/>
           </a:p>
@@ -3331,7 +3332,7 @@
         </p:nvSpPr>
         <p:spPr>
           <a:xfrm>
-            <a:off x="323528" y="188640"/>
+            <a:off x="251520" y="692696"/>
             <a:ext cx="8640960" cy="6480720"/>
           </a:xfrm>
         </p:spPr>
@@ -3342,7 +3343,7 @@
           <a:lstStyle/>
           <a:p>
             <a:r>
-              <a:rPr lang="en-GB" sz="4000" dirty="0">
+              <a:rPr lang="en-GB" sz="3600" dirty="0">
                 <a:solidFill>
                   <a:schemeClr val="bg1"/>
                 </a:solidFill>
@@ -3352,7 +3353,7 @@
           </a:p>
           <a:p>
             <a:r>
-              <a:rPr lang="en-GB" sz="4000" dirty="0">
+              <a:rPr lang="en-GB" sz="3600" dirty="0">
                 <a:solidFill>
                   <a:schemeClr val="bg1"/>
                 </a:solidFill>
@@ -3362,7 +3363,7 @@
           </a:p>
           <a:p>
             <a:r>
-              <a:rPr lang="en-GB" sz="4000" dirty="0">
+              <a:rPr lang="en-GB" sz="3600" dirty="0">
                 <a:solidFill>
                   <a:schemeClr val="bg1"/>
                 </a:solidFill>
@@ -3372,7 +3373,7 @@
           </a:p>
           <a:p>
             <a:r>
-              <a:rPr lang="en-GB" sz="4000" dirty="0">
+              <a:rPr lang="en-GB" sz="3600" dirty="0">
                 <a:solidFill>
                   <a:schemeClr val="bg1"/>
                 </a:solidFill>
@@ -3382,7 +3383,7 @@
           </a:p>
           <a:p>
             <a:r>
-              <a:rPr lang="en-GB" sz="4000" dirty="0">
+              <a:rPr lang="en-GB" sz="3600" dirty="0">
                 <a:solidFill>
                   <a:schemeClr val="bg1"/>
                 </a:solidFill>
@@ -3392,7 +3393,7 @@
           </a:p>
           <a:p>
             <a:r>
-              <a:rPr lang="en-GB" sz="4000" dirty="0" err="1">
+              <a:rPr lang="en-GB" sz="3600" dirty="0" err="1">
                 <a:solidFill>
                   <a:schemeClr val="bg1"/>
                 </a:solidFill>
@@ -3400,7 +3401,7 @@
               <a:t>'Cause</a:t>
             </a:r>
             <a:r>
-              <a:rPr lang="en-GB" sz="4000" dirty="0">
+              <a:rPr lang="en-GB" sz="3600" dirty="0">
                 <a:solidFill>
                   <a:schemeClr val="bg1"/>
                 </a:solidFill>
@@ -3410,7 +3411,7 @@
           </a:p>
           <a:p>
             <a:r>
-              <a:rPr lang="en-GB" sz="4000" dirty="0">
+              <a:rPr lang="en-GB" sz="3600" dirty="0">
                 <a:solidFill>
                   <a:schemeClr val="bg1"/>
                 </a:solidFill>
@@ -3420,7 +3421,7 @@
           </a:p>
           <a:p>
             <a:r>
-              <a:rPr lang="en-GB" sz="4000" dirty="0">
+              <a:rPr lang="en-GB" sz="3600" dirty="0">
                 <a:solidFill>
                   <a:schemeClr val="bg1"/>
                 </a:solidFill>
@@ -3458,7 +3459,7 @@
                   <a:schemeClr val="bg1"/>
                 </a:solidFill>
               </a:rPr>
-              <a:t>1/6</a:t>
+              <a:t>1/7</a:t>
             </a:r>
           </a:p>
         </p:txBody>
@@ -3505,7 +3506,7 @@
         </p:nvSpPr>
         <p:spPr>
           <a:xfrm>
-            <a:off x="323528" y="188640"/>
+            <a:off x="323528" y="692696"/>
             <a:ext cx="8640960" cy="6480720"/>
           </a:xfrm>
         </p:spPr>
@@ -3571,7 +3572,7 @@
                   <a:schemeClr val="bg1"/>
                 </a:solidFill>
               </a:rPr>
-              <a:t>2/6</a:t>
+              <a:t>2/7</a:t>
             </a:r>
           </a:p>
         </p:txBody>
@@ -3618,7 +3619,7 @@
         </p:nvSpPr>
         <p:spPr>
           <a:xfrm>
-            <a:off x="323528" y="188640"/>
+            <a:off x="251520" y="692696"/>
             <a:ext cx="8640960" cy="6480720"/>
           </a:xfrm>
         </p:spPr>
@@ -3629,7 +3630,7 @@
           <a:lstStyle/>
           <a:p>
             <a:r>
-              <a:rPr lang="en-GB" sz="4000" dirty="0">
+              <a:rPr lang="en-GB" sz="3600" dirty="0">
                 <a:solidFill>
                   <a:schemeClr val="bg1"/>
                 </a:solidFill>
@@ -3639,7 +3640,7 @@
           </a:p>
           <a:p>
             <a:r>
-              <a:rPr lang="en-GB" sz="4000" dirty="0">
+              <a:rPr lang="en-GB" sz="3600" dirty="0">
                 <a:solidFill>
                   <a:schemeClr val="bg1"/>
                 </a:solidFill>
@@ -3649,7 +3650,7 @@
           </a:p>
           <a:p>
             <a:r>
-              <a:rPr lang="en-GB" sz="4000" dirty="0">
+              <a:rPr lang="en-GB" sz="3600" dirty="0">
                 <a:solidFill>
                   <a:schemeClr val="bg1"/>
                 </a:solidFill>
@@ -3659,7 +3660,7 @@
           </a:p>
           <a:p>
             <a:r>
-              <a:rPr lang="en-GB" sz="4000" dirty="0">
+              <a:rPr lang="en-GB" sz="3600" dirty="0">
                 <a:solidFill>
                   <a:schemeClr val="bg1"/>
                 </a:solidFill>
@@ -3669,7 +3670,7 @@
           </a:p>
           <a:p>
             <a:r>
-              <a:rPr lang="en-GB" sz="4000" dirty="0" err="1">
+              <a:rPr lang="en-GB" sz="3600" dirty="0" err="1">
                 <a:solidFill>
                   <a:schemeClr val="bg1"/>
                 </a:solidFill>
@@ -3677,7 +3678,7 @@
               <a:t>'Cause</a:t>
             </a:r>
             <a:r>
-              <a:rPr lang="en-GB" sz="4000" dirty="0">
+              <a:rPr lang="en-GB" sz="3600" dirty="0">
                 <a:solidFill>
                   <a:schemeClr val="bg1"/>
                 </a:solidFill>
@@ -3687,7 +3688,7 @@
           </a:p>
           <a:p>
             <a:r>
-              <a:rPr lang="en-GB" sz="4000" dirty="0">
+              <a:rPr lang="en-GB" sz="3600" dirty="0">
                 <a:solidFill>
                   <a:schemeClr val="bg1"/>
                 </a:solidFill>
@@ -3697,7 +3698,7 @@
           </a:p>
           <a:p>
             <a:r>
-              <a:rPr lang="en-GB" sz="4000" dirty="0">
+              <a:rPr lang="en-GB" sz="3600" dirty="0">
                 <a:solidFill>
                   <a:schemeClr val="bg1"/>
                 </a:solidFill>
@@ -3707,7 +3708,7 @@
           </a:p>
           <a:p>
             <a:r>
-              <a:rPr lang="en-GB" sz="4000" dirty="0">
+              <a:rPr lang="en-GB" sz="3600" dirty="0">
                 <a:solidFill>
                   <a:schemeClr val="bg1"/>
                 </a:solidFill>
@@ -3745,7 +3746,7 @@
                   <a:schemeClr val="bg1"/>
                 </a:solidFill>
               </a:rPr>
-              <a:t>3/6</a:t>
+              <a:t>3/7</a:t>
             </a:r>
           </a:p>
         </p:txBody>
@@ -3792,7 +3793,7 @@
         </p:nvSpPr>
         <p:spPr>
           <a:xfrm>
-            <a:off x="323528" y="188640"/>
+            <a:off x="251520" y="764704"/>
             <a:ext cx="8640960" cy="6480720"/>
           </a:xfrm>
         </p:spPr>
@@ -3876,7 +3877,7 @@
                   <a:schemeClr val="bg1"/>
                 </a:solidFill>
               </a:rPr>
-              <a:t>4/6</a:t>
+              <a:t>4/7</a:t>
             </a:r>
           </a:p>
         </p:txBody>
@@ -3923,7 +3924,7 @@
         </p:nvSpPr>
         <p:spPr>
           <a:xfrm>
-            <a:off x="323528" y="188640"/>
+            <a:off x="323528" y="764704"/>
             <a:ext cx="8640960" cy="6480720"/>
           </a:xfrm>
         </p:spPr>
@@ -4002,7 +4003,7 @@
                   <a:schemeClr val="bg1"/>
                 </a:solidFill>
               </a:rPr>
-              <a:t>5/6</a:t>
+              <a:t>5/7</a:t>
             </a:r>
           </a:p>
         </p:txBody>
@@ -4049,7 +4050,7 @@
         </p:nvSpPr>
         <p:spPr>
           <a:xfrm>
-            <a:off x="323528" y="188640"/>
+            <a:off x="251520" y="764704"/>
             <a:ext cx="8640960" cy="6480720"/>
           </a:xfrm>
         </p:spPr>
@@ -4144,7 +4145,7 @@
                   <a:schemeClr val="bg1"/>
                 </a:solidFill>
               </a:rPr>
-              <a:t>6/6</a:t>
+              <a:t>6/7</a:t>
             </a:r>
           </a:p>
         </p:txBody>
@@ -4153,6 +4154,180 @@
     <p:extLst>
       <p:ext uri="{BB962C8B-B14F-4D97-AF65-F5344CB8AC3E}">
         <p14:creationId xmlns:p14="http://schemas.microsoft.com/office/powerpoint/2010/main" val="990000169"/>
+      </p:ext>
+    </p:extLst>
+  </p:cSld>
+  <p:clrMapOvr>
+    <a:masterClrMapping/>
+  </p:clrMapOvr>
+</p:sld>
+</file>
+
+<file path=ppt/slides/slide8.xml><?xml version="1.0" encoding="utf-8"?>
+<p:sld xmlns:a="http://schemas.openxmlformats.org/drawingml/2006/main" xmlns:r="http://schemas.openxmlformats.org/officeDocument/2006/relationships" xmlns:p="http://schemas.openxmlformats.org/presentationml/2006/main">
+  <p:cSld>
+    <p:spTree>
+      <p:nvGrpSpPr>
+        <p:cNvPr id="1" name=""/>
+        <p:cNvGrpSpPr/>
+        <p:nvPr/>
+      </p:nvGrpSpPr>
+      <p:grpSpPr>
+        <a:xfrm>
+          <a:off x="0" y="0"/>
+          <a:ext cx="0" cy="0"/>
+          <a:chOff x="0" y="0"/>
+          <a:chExt cx="0" cy="0"/>
+        </a:xfrm>
+      </p:grpSpPr>
+      <p:sp>
+        <p:nvSpPr>
+          <p:cNvPr id="3" name="Subtitle 2"/>
+          <p:cNvSpPr>
+            <a:spLocks noGrp="1"/>
+          </p:cNvSpPr>
+          <p:nvPr>
+            <p:ph type="subTitle" idx="1"/>
+          </p:nvPr>
+        </p:nvSpPr>
+        <p:spPr>
+          <a:xfrm>
+            <a:off x="251520" y="692696"/>
+            <a:ext cx="8640960" cy="6480720"/>
+          </a:xfrm>
+        </p:spPr>
+        <p:txBody>
+          <a:bodyPr>
+            <a:noAutofit/>
+          </a:bodyPr>
+          <a:lstStyle/>
+          <a:p>
+            <a:r>
+              <a:rPr lang="en-GB" sz="3600" dirty="0">
+                <a:solidFill>
+                  <a:schemeClr val="bg1"/>
+                </a:solidFill>
+              </a:rPr>
+              <a:t>Christ is my firm foundation</a:t>
+            </a:r>
+          </a:p>
+          <a:p>
+            <a:r>
+              <a:rPr lang="en-GB" sz="3600" dirty="0">
+                <a:solidFill>
+                  <a:schemeClr val="bg1"/>
+                </a:solidFill>
+              </a:rPr>
+              <a:t>The rock on which I stand</a:t>
+            </a:r>
+          </a:p>
+          <a:p>
+            <a:r>
+              <a:rPr lang="en-GB" sz="3600" dirty="0">
+                <a:solidFill>
+                  <a:schemeClr val="bg1"/>
+                </a:solidFill>
+              </a:rPr>
+              <a:t>When everything around me is shaken</a:t>
+            </a:r>
+          </a:p>
+          <a:p>
+            <a:r>
+              <a:rPr lang="en-GB" sz="3600" dirty="0">
+                <a:solidFill>
+                  <a:schemeClr val="bg1"/>
+                </a:solidFill>
+              </a:rPr>
+              <a:t>I've never been more glad</a:t>
+            </a:r>
+          </a:p>
+          <a:p>
+            <a:r>
+              <a:rPr lang="en-GB" sz="3600" dirty="0">
+                <a:solidFill>
+                  <a:schemeClr val="bg1"/>
+                </a:solidFill>
+              </a:rPr>
+              <a:t>That I put my faith in Jesus</a:t>
+            </a:r>
+          </a:p>
+          <a:p>
+            <a:r>
+              <a:rPr lang="en-GB" sz="3600" dirty="0" err="1">
+                <a:solidFill>
+                  <a:schemeClr val="bg1"/>
+                </a:solidFill>
+              </a:rPr>
+              <a:t>'Cause</a:t>
+            </a:r>
+            <a:r>
+              <a:rPr lang="en-GB" sz="3600" dirty="0">
+                <a:solidFill>
+                  <a:schemeClr val="bg1"/>
+                </a:solidFill>
+              </a:rPr>
+              <a:t> He's never let me down</a:t>
+            </a:r>
+          </a:p>
+          <a:p>
+            <a:r>
+              <a:rPr lang="en-GB" sz="3600" dirty="0">
+                <a:solidFill>
+                  <a:schemeClr val="bg1"/>
+                </a:solidFill>
+              </a:rPr>
+              <a:t>He's faithful through generations</a:t>
+            </a:r>
+          </a:p>
+          <a:p>
+            <a:r>
+              <a:rPr lang="en-GB" sz="3600" dirty="0">
+                <a:solidFill>
+                  <a:schemeClr val="bg1"/>
+                </a:solidFill>
+              </a:rPr>
+              <a:t>So why would He fail now</a:t>
+            </a:r>
+          </a:p>
+        </p:txBody>
+      </p:sp>
+      <p:sp>
+        <p:nvSpPr>
+          <p:cNvPr id="4" name="TextBox 3"/>
+          <p:cNvSpPr txBox="1"/>
+          <p:nvPr/>
+        </p:nvSpPr>
+        <p:spPr>
+          <a:xfrm>
+            <a:off x="8529729" y="0"/>
+            <a:ext cx="628698" cy="461665"/>
+          </a:xfrm>
+          <a:prstGeom prst="rect">
+            <a:avLst/>
+          </a:prstGeom>
+          <a:noFill/>
+        </p:spPr>
+        <p:txBody>
+          <a:bodyPr wrap="none" rtlCol="0">
+            <a:spAutoFit/>
+          </a:bodyPr>
+          <a:lstStyle/>
+          <a:p>
+            <a:r>
+              <a:rPr lang="en-GB" sz="2400" b="1" dirty="0">
+                <a:solidFill>
+                  <a:schemeClr val="bg1"/>
+                </a:solidFill>
+              </a:rPr>
+              <a:t>7/7</a:t>
+            </a:r>
+          </a:p>
+        </p:txBody>
+      </p:sp>
+    </p:spTree>
+    <p:extLst>
+      <p:ext uri="{BB962C8B-B14F-4D97-AF65-F5344CB8AC3E}">
+        <p14:creationId xmlns:p14="http://schemas.microsoft.com/office/powerpoint/2010/main" val="4196310026"/>
       </p:ext>
     </p:extLst>
   </p:cSld>

--- a/docs/songs/firm foundation - he wont.pptx
+++ b/docs/songs/firm foundation - he wont.pptx
@@ -13,6 +13,7 @@
     <p:sldId id="660" r:id="rId7"/>
     <p:sldId id="713" r:id="rId8"/>
     <p:sldId id="1225" r:id="rId9"/>
+    <p:sldId id="1226" r:id="rId10"/>
   </p:sldIdLst>
   <p:sldSz cx="9144000" cy="6858000" type="screen4x3"/>
   <p:notesSz cx="6858000" cy="9144000"/>
@@ -312,7 +313,7 @@
             <a:fld id="{26EA1CF3-4A15-4CBF-9A5A-6A56C368BE71}" type="datetimeFigureOut">
               <a:rPr lang="en-GB" smtClean="0"/>
               <a:pPr/>
-              <a:t>08/07/2024</a:t>
+              <a:t>05/06/2025</a:t>
             </a:fld>
             <a:endParaRPr lang="en-GB"/>
           </a:p>
@@ -479,7 +480,7 @@
             <a:fld id="{26EA1CF3-4A15-4CBF-9A5A-6A56C368BE71}" type="datetimeFigureOut">
               <a:rPr lang="en-GB" smtClean="0"/>
               <a:pPr/>
-              <a:t>08/07/2024</a:t>
+              <a:t>05/06/2025</a:t>
             </a:fld>
             <a:endParaRPr lang="en-GB"/>
           </a:p>
@@ -656,7 +657,7 @@
             <a:fld id="{26EA1CF3-4A15-4CBF-9A5A-6A56C368BE71}" type="datetimeFigureOut">
               <a:rPr lang="en-GB" smtClean="0"/>
               <a:pPr/>
-              <a:t>08/07/2024</a:t>
+              <a:t>05/06/2025</a:t>
             </a:fld>
             <a:endParaRPr lang="en-GB"/>
           </a:p>
@@ -823,7 +824,7 @@
             <a:fld id="{26EA1CF3-4A15-4CBF-9A5A-6A56C368BE71}" type="datetimeFigureOut">
               <a:rPr lang="en-GB" smtClean="0"/>
               <a:pPr/>
-              <a:t>08/07/2024</a:t>
+              <a:t>05/06/2025</a:t>
             </a:fld>
             <a:endParaRPr lang="en-GB"/>
           </a:p>
@@ -1066,7 +1067,7 @@
             <a:fld id="{26EA1CF3-4A15-4CBF-9A5A-6A56C368BE71}" type="datetimeFigureOut">
               <a:rPr lang="en-GB" smtClean="0"/>
               <a:pPr/>
-              <a:t>08/07/2024</a:t>
+              <a:t>05/06/2025</a:t>
             </a:fld>
             <a:endParaRPr lang="en-GB"/>
           </a:p>
@@ -1351,7 +1352,7 @@
             <a:fld id="{26EA1CF3-4A15-4CBF-9A5A-6A56C368BE71}" type="datetimeFigureOut">
               <a:rPr lang="en-GB" smtClean="0"/>
               <a:pPr/>
-              <a:t>08/07/2024</a:t>
+              <a:t>05/06/2025</a:t>
             </a:fld>
             <a:endParaRPr lang="en-GB"/>
           </a:p>
@@ -1770,7 +1771,7 @@
             <a:fld id="{26EA1CF3-4A15-4CBF-9A5A-6A56C368BE71}" type="datetimeFigureOut">
               <a:rPr lang="en-GB" smtClean="0"/>
               <a:pPr/>
-              <a:t>08/07/2024</a:t>
+              <a:t>05/06/2025</a:t>
             </a:fld>
             <a:endParaRPr lang="en-GB"/>
           </a:p>
@@ -1885,7 +1886,7 @@
             <a:fld id="{26EA1CF3-4A15-4CBF-9A5A-6A56C368BE71}" type="datetimeFigureOut">
               <a:rPr lang="en-GB" smtClean="0"/>
               <a:pPr/>
-              <a:t>08/07/2024</a:t>
+              <a:t>05/06/2025</a:t>
             </a:fld>
             <a:endParaRPr lang="en-GB"/>
           </a:p>
@@ -1977,7 +1978,7 @@
             <a:fld id="{26EA1CF3-4A15-4CBF-9A5A-6A56C368BE71}" type="datetimeFigureOut">
               <a:rPr lang="en-GB" smtClean="0"/>
               <a:pPr/>
-              <a:t>08/07/2024</a:t>
+              <a:t>05/06/2025</a:t>
             </a:fld>
             <a:endParaRPr lang="en-GB"/>
           </a:p>
@@ -2251,7 +2252,7 @@
             <a:fld id="{26EA1CF3-4A15-4CBF-9A5A-6A56C368BE71}" type="datetimeFigureOut">
               <a:rPr lang="en-GB" smtClean="0"/>
               <a:pPr/>
-              <a:t>08/07/2024</a:t>
+              <a:t>05/06/2025</a:t>
             </a:fld>
             <a:endParaRPr lang="en-GB"/>
           </a:p>
@@ -2501,7 +2502,7 @@
             <a:fld id="{26EA1CF3-4A15-4CBF-9A5A-6A56C368BE71}" type="datetimeFigureOut">
               <a:rPr lang="en-GB" smtClean="0"/>
               <a:pPr/>
-              <a:t>08/07/2024</a:t>
+              <a:t>05/06/2025</a:t>
             </a:fld>
             <a:endParaRPr lang="en-GB"/>
           </a:p>
@@ -2714,7 +2715,7 @@
             <a:fld id="{26EA1CF3-4A15-4CBF-9A5A-6A56C368BE71}" type="datetimeFigureOut">
               <a:rPr lang="en-GB" smtClean="0"/>
               <a:pPr/>
-              <a:t>08/07/2024</a:t>
+              <a:t>05/06/2025</a:t>
             </a:fld>
             <a:endParaRPr lang="en-GB"/>
           </a:p>
@@ -3459,7 +3460,7 @@
                   <a:schemeClr val="bg1"/>
                 </a:solidFill>
               </a:rPr>
-              <a:t>1/7</a:t>
+              <a:t>1/8</a:t>
             </a:r>
           </a:p>
         </p:txBody>
@@ -3572,7 +3573,7 @@
                   <a:schemeClr val="bg1"/>
                 </a:solidFill>
               </a:rPr>
-              <a:t>2/7</a:t>
+              <a:t>2/8</a:t>
             </a:r>
           </a:p>
         </p:txBody>
@@ -3746,7 +3747,7 @@
                   <a:schemeClr val="bg1"/>
                 </a:solidFill>
               </a:rPr>
-              <a:t>3/7</a:t>
+              <a:t>3/8</a:t>
             </a:r>
           </a:p>
         </p:txBody>
@@ -3877,7 +3878,7 @@
                   <a:schemeClr val="bg1"/>
                 </a:solidFill>
               </a:rPr>
-              <a:t>4/7</a:t>
+              <a:t>4/8</a:t>
             </a:r>
           </a:p>
         </p:txBody>
@@ -4003,7 +4004,7 @@
                   <a:schemeClr val="bg1"/>
                 </a:solidFill>
               </a:rPr>
-              <a:t>5/7</a:t>
+              <a:t>5/8</a:t>
             </a:r>
           </a:p>
         </p:txBody>
@@ -4145,7 +4146,7 @@
                   <a:schemeClr val="bg1"/>
                 </a:solidFill>
               </a:rPr>
-              <a:t>6/7</a:t>
+              <a:t>6/8</a:t>
             </a:r>
           </a:p>
         </p:txBody>
@@ -4319,7 +4320,7 @@
                   <a:schemeClr val="bg1"/>
                 </a:solidFill>
               </a:rPr>
-              <a:t>7/7</a:t>
+              <a:t>7/8</a:t>
             </a:r>
           </a:p>
         </p:txBody>
@@ -4328,6 +4329,155 @@
     <p:extLst>
       <p:ext uri="{BB962C8B-B14F-4D97-AF65-F5344CB8AC3E}">
         <p14:creationId xmlns:p14="http://schemas.microsoft.com/office/powerpoint/2010/main" val="4196310026"/>
+      </p:ext>
+    </p:extLst>
+  </p:cSld>
+  <p:clrMapOvr>
+    <a:masterClrMapping/>
+  </p:clrMapOvr>
+</p:sld>
+</file>
+
+<file path=ppt/slides/slide9.xml><?xml version="1.0" encoding="utf-8"?>
+<p:sld xmlns:a="http://schemas.openxmlformats.org/drawingml/2006/main" xmlns:r="http://schemas.openxmlformats.org/officeDocument/2006/relationships" xmlns:p="http://schemas.openxmlformats.org/presentationml/2006/main">
+  <p:cSld>
+    <p:spTree>
+      <p:nvGrpSpPr>
+        <p:cNvPr id="1" name="">
+          <a:extLst>
+            <a:ext uri="{FF2B5EF4-FFF2-40B4-BE49-F238E27FC236}">
+              <a16:creationId xmlns:a16="http://schemas.microsoft.com/office/drawing/2014/main" id="{2E588CCC-7FED-7C25-A215-83C40781EAA9}"/>
+            </a:ext>
+          </a:extLst>
+        </p:cNvPr>
+        <p:cNvGrpSpPr/>
+        <p:nvPr/>
+      </p:nvGrpSpPr>
+      <p:grpSpPr>
+        <a:xfrm>
+          <a:off x="0" y="0"/>
+          <a:ext cx="0" cy="0"/>
+          <a:chOff x="0" y="0"/>
+          <a:chExt cx="0" cy="0"/>
+        </a:xfrm>
+      </p:grpSpPr>
+      <p:sp>
+        <p:nvSpPr>
+          <p:cNvPr id="3" name="Subtitle 2">
+            <a:extLst>
+              <a:ext uri="{FF2B5EF4-FFF2-40B4-BE49-F238E27FC236}">
+                <a16:creationId xmlns:a16="http://schemas.microsoft.com/office/drawing/2014/main" id="{A41FF4CD-96A9-B1D4-E6A2-4BFBC7F6493C}"/>
+              </a:ext>
+            </a:extLst>
+          </p:cNvPr>
+          <p:cNvSpPr>
+            <a:spLocks noGrp="1"/>
+          </p:cNvSpPr>
+          <p:nvPr>
+            <p:ph type="subTitle" idx="1"/>
+          </p:nvPr>
+        </p:nvSpPr>
+        <p:spPr>
+          <a:xfrm>
+            <a:off x="251520" y="764704"/>
+            <a:ext cx="8640960" cy="6480720"/>
+          </a:xfrm>
+        </p:spPr>
+        <p:txBody>
+          <a:bodyPr>
+            <a:noAutofit/>
+          </a:bodyPr>
+          <a:lstStyle/>
+          <a:p>
+            <a:r>
+              <a:rPr lang="en-GB" sz="4000" dirty="0">
+                <a:solidFill>
+                  <a:schemeClr val="bg1"/>
+                </a:solidFill>
+              </a:rPr>
+              <a:t>He won’t</a:t>
+            </a:r>
+            <a:br>
+              <a:rPr lang="en-GB" sz="4000" dirty="0">
+                <a:solidFill>
+                  <a:schemeClr val="bg1"/>
+                </a:solidFill>
+              </a:rPr>
+            </a:br>
+            <a:r>
+              <a:rPr lang="en-GB" sz="4000" dirty="0">
+                <a:solidFill>
+                  <a:schemeClr val="bg1"/>
+                </a:solidFill>
+              </a:rPr>
+              <a:t>He won't</a:t>
+            </a:r>
+          </a:p>
+          <a:p>
+            <a:r>
+              <a:rPr lang="en-GB" sz="4000" dirty="0">
+                <a:solidFill>
+                  <a:schemeClr val="bg1"/>
+                </a:solidFill>
+              </a:rPr>
+              <a:t>He won't fail</a:t>
+            </a:r>
+          </a:p>
+          <a:p>
+            <a:r>
+              <a:rPr lang="en-GB" sz="4000" dirty="0">
+                <a:solidFill>
+                  <a:schemeClr val="bg1"/>
+                </a:solidFill>
+              </a:rPr>
+              <a:t>He won't fail</a:t>
+            </a:r>
+          </a:p>
+        </p:txBody>
+      </p:sp>
+      <p:sp>
+        <p:nvSpPr>
+          <p:cNvPr id="4" name="TextBox 3">
+            <a:extLst>
+              <a:ext uri="{FF2B5EF4-FFF2-40B4-BE49-F238E27FC236}">
+                <a16:creationId xmlns:a16="http://schemas.microsoft.com/office/drawing/2014/main" id="{B5B0DBD3-C0EC-08D9-DB95-5A20347BD8A6}"/>
+              </a:ext>
+            </a:extLst>
+          </p:cNvPr>
+          <p:cNvSpPr txBox="1"/>
+          <p:nvPr/>
+        </p:nvSpPr>
+        <p:spPr>
+          <a:xfrm>
+            <a:off x="8529729" y="0"/>
+            <a:ext cx="628698" cy="461665"/>
+          </a:xfrm>
+          <a:prstGeom prst="rect">
+            <a:avLst/>
+          </a:prstGeom>
+          <a:noFill/>
+        </p:spPr>
+        <p:txBody>
+          <a:bodyPr wrap="none" rtlCol="0">
+            <a:spAutoFit/>
+          </a:bodyPr>
+          <a:lstStyle/>
+          <a:p>
+            <a:r>
+              <a:rPr lang="en-GB" sz="2400" b="1" dirty="0">
+                <a:solidFill>
+                  <a:schemeClr val="bg1"/>
+                </a:solidFill>
+              </a:rPr>
+              <a:t>8/8</a:t>
+            </a:r>
+          </a:p>
+        </p:txBody>
+      </p:sp>
+    </p:spTree>
+    <p:extLst>
+      <p:ext uri="{BB962C8B-B14F-4D97-AF65-F5344CB8AC3E}">
+        <p14:creationId xmlns:p14="http://schemas.microsoft.com/office/powerpoint/2010/main" val="3832469856"/>
       </p:ext>
     </p:extLst>
   </p:cSld>

--- a/docs/songs/firm foundation - he wont.pptx
+++ b/docs/songs/firm foundation - he wont.pptx
@@ -7,13 +7,16 @@
   <p:sldIdLst>
     <p:sldId id="656" r:id="rId2"/>
     <p:sldId id="657" r:id="rId3"/>
-    <p:sldId id="661" r:id="rId4"/>
-    <p:sldId id="658" r:id="rId5"/>
-    <p:sldId id="659" r:id="rId6"/>
-    <p:sldId id="660" r:id="rId7"/>
-    <p:sldId id="713" r:id="rId8"/>
-    <p:sldId id="1225" r:id="rId9"/>
-    <p:sldId id="1226" r:id="rId10"/>
+    <p:sldId id="1227" r:id="rId4"/>
+    <p:sldId id="661" r:id="rId5"/>
+    <p:sldId id="658" r:id="rId6"/>
+    <p:sldId id="1228" r:id="rId7"/>
+    <p:sldId id="659" r:id="rId8"/>
+    <p:sldId id="660" r:id="rId9"/>
+    <p:sldId id="713" r:id="rId10"/>
+    <p:sldId id="1229" r:id="rId11"/>
+    <p:sldId id="1230" r:id="rId12"/>
+    <p:sldId id="1226" r:id="rId13"/>
   </p:sldIdLst>
   <p:sldSz cx="9144000" cy="6858000" type="screen4x3"/>
   <p:notesSz cx="6858000" cy="9144000"/>
@@ -313,7 +316,7 @@
             <a:fld id="{26EA1CF3-4A15-4CBF-9A5A-6A56C368BE71}" type="datetimeFigureOut">
               <a:rPr lang="en-GB" smtClean="0"/>
               <a:pPr/>
-              <a:t>05/06/2025</a:t>
+              <a:t>07/06/2025</a:t>
             </a:fld>
             <a:endParaRPr lang="en-GB"/>
           </a:p>
@@ -480,7 +483,7 @@
             <a:fld id="{26EA1CF3-4A15-4CBF-9A5A-6A56C368BE71}" type="datetimeFigureOut">
               <a:rPr lang="en-GB" smtClean="0"/>
               <a:pPr/>
-              <a:t>05/06/2025</a:t>
+              <a:t>07/06/2025</a:t>
             </a:fld>
             <a:endParaRPr lang="en-GB"/>
           </a:p>
@@ -657,7 +660,7 @@
             <a:fld id="{26EA1CF3-4A15-4CBF-9A5A-6A56C368BE71}" type="datetimeFigureOut">
               <a:rPr lang="en-GB" smtClean="0"/>
               <a:pPr/>
-              <a:t>05/06/2025</a:t>
+              <a:t>07/06/2025</a:t>
             </a:fld>
             <a:endParaRPr lang="en-GB"/>
           </a:p>
@@ -824,7 +827,7 @@
             <a:fld id="{26EA1CF3-4A15-4CBF-9A5A-6A56C368BE71}" type="datetimeFigureOut">
               <a:rPr lang="en-GB" smtClean="0"/>
               <a:pPr/>
-              <a:t>05/06/2025</a:t>
+              <a:t>07/06/2025</a:t>
             </a:fld>
             <a:endParaRPr lang="en-GB"/>
           </a:p>
@@ -1067,7 +1070,7 @@
             <a:fld id="{26EA1CF3-4A15-4CBF-9A5A-6A56C368BE71}" type="datetimeFigureOut">
               <a:rPr lang="en-GB" smtClean="0"/>
               <a:pPr/>
-              <a:t>05/06/2025</a:t>
+              <a:t>07/06/2025</a:t>
             </a:fld>
             <a:endParaRPr lang="en-GB"/>
           </a:p>
@@ -1352,7 +1355,7 @@
             <a:fld id="{26EA1CF3-4A15-4CBF-9A5A-6A56C368BE71}" type="datetimeFigureOut">
               <a:rPr lang="en-GB" smtClean="0"/>
               <a:pPr/>
-              <a:t>05/06/2025</a:t>
+              <a:t>07/06/2025</a:t>
             </a:fld>
             <a:endParaRPr lang="en-GB"/>
           </a:p>
@@ -1771,7 +1774,7 @@
             <a:fld id="{26EA1CF3-4A15-4CBF-9A5A-6A56C368BE71}" type="datetimeFigureOut">
               <a:rPr lang="en-GB" smtClean="0"/>
               <a:pPr/>
-              <a:t>05/06/2025</a:t>
+              <a:t>07/06/2025</a:t>
             </a:fld>
             <a:endParaRPr lang="en-GB"/>
           </a:p>
@@ -1886,7 +1889,7 @@
             <a:fld id="{26EA1CF3-4A15-4CBF-9A5A-6A56C368BE71}" type="datetimeFigureOut">
               <a:rPr lang="en-GB" smtClean="0"/>
               <a:pPr/>
-              <a:t>05/06/2025</a:t>
+              <a:t>07/06/2025</a:t>
             </a:fld>
             <a:endParaRPr lang="en-GB"/>
           </a:p>
@@ -1978,7 +1981,7 @@
             <a:fld id="{26EA1CF3-4A15-4CBF-9A5A-6A56C368BE71}" type="datetimeFigureOut">
               <a:rPr lang="en-GB" smtClean="0"/>
               <a:pPr/>
-              <a:t>05/06/2025</a:t>
+              <a:t>07/06/2025</a:t>
             </a:fld>
             <a:endParaRPr lang="en-GB"/>
           </a:p>
@@ -2252,7 +2255,7 @@
             <a:fld id="{26EA1CF3-4A15-4CBF-9A5A-6A56C368BE71}" type="datetimeFigureOut">
               <a:rPr lang="en-GB" smtClean="0"/>
               <a:pPr/>
-              <a:t>05/06/2025</a:t>
+              <a:t>07/06/2025</a:t>
             </a:fld>
             <a:endParaRPr lang="en-GB"/>
           </a:p>
@@ -2502,7 +2505,7 @@
             <a:fld id="{26EA1CF3-4A15-4CBF-9A5A-6A56C368BE71}" type="datetimeFigureOut">
               <a:rPr lang="en-GB" smtClean="0"/>
               <a:pPr/>
-              <a:t>05/06/2025</a:t>
+              <a:t>07/06/2025</a:t>
             </a:fld>
             <a:endParaRPr lang="en-GB"/>
           </a:p>
@@ -2715,7 +2718,7 @@
             <a:fld id="{26EA1CF3-4A15-4CBF-9A5A-6A56C368BE71}" type="datetimeFigureOut">
               <a:rPr lang="en-GB" smtClean="0"/>
               <a:pPr/>
-              <a:t>05/06/2025</a:t>
+              <a:t>07/06/2025</a:t>
             </a:fld>
             <a:endParaRPr lang="en-GB"/>
           </a:p>
@@ -3304,6 +3307,451 @@
 </p:sld>
 </file>
 
+<file path=ppt/slides/slide10.xml><?xml version="1.0" encoding="utf-8"?>
+<p:sld xmlns:a="http://schemas.openxmlformats.org/drawingml/2006/main" xmlns:r="http://schemas.openxmlformats.org/officeDocument/2006/relationships" xmlns:p="http://schemas.openxmlformats.org/presentationml/2006/main">
+  <p:cSld>
+    <p:spTree>
+      <p:nvGrpSpPr>
+        <p:cNvPr id="1" name="">
+          <a:extLst>
+            <a:ext uri="{FF2B5EF4-FFF2-40B4-BE49-F238E27FC236}">
+              <a16:creationId xmlns:a16="http://schemas.microsoft.com/office/drawing/2014/main" id="{D81B5E67-6926-CEAC-7572-0D53D015A3DB}"/>
+            </a:ext>
+          </a:extLst>
+        </p:cNvPr>
+        <p:cNvGrpSpPr/>
+        <p:nvPr/>
+      </p:nvGrpSpPr>
+      <p:grpSpPr>
+        <a:xfrm>
+          <a:off x="0" y="0"/>
+          <a:ext cx="0" cy="0"/>
+          <a:chOff x="0" y="0"/>
+          <a:chExt cx="0" cy="0"/>
+        </a:xfrm>
+      </p:grpSpPr>
+      <p:sp>
+        <p:nvSpPr>
+          <p:cNvPr id="3" name="Subtitle 2">
+            <a:extLst>
+              <a:ext uri="{FF2B5EF4-FFF2-40B4-BE49-F238E27FC236}">
+                <a16:creationId xmlns:a16="http://schemas.microsoft.com/office/drawing/2014/main" id="{F42058C9-6E33-F044-1327-1618FB68E114}"/>
+              </a:ext>
+            </a:extLst>
+          </p:cNvPr>
+          <p:cNvSpPr>
+            <a:spLocks noGrp="1"/>
+          </p:cNvSpPr>
+          <p:nvPr>
+            <p:ph type="subTitle" idx="1"/>
+          </p:nvPr>
+        </p:nvSpPr>
+        <p:spPr>
+          <a:xfrm>
+            <a:off x="251520" y="692696"/>
+            <a:ext cx="8640960" cy="6480720"/>
+          </a:xfrm>
+        </p:spPr>
+        <p:txBody>
+          <a:bodyPr>
+            <a:noAutofit/>
+          </a:bodyPr>
+          <a:lstStyle/>
+          <a:p>
+            <a:r>
+              <a:rPr lang="en-GB" sz="3600" dirty="0">
+                <a:solidFill>
+                  <a:schemeClr val="bg1"/>
+                </a:solidFill>
+              </a:rPr>
+              <a:t>Christ is my firm foundation</a:t>
+            </a:r>
+          </a:p>
+          <a:p>
+            <a:r>
+              <a:rPr lang="en-GB" sz="3600" dirty="0">
+                <a:solidFill>
+                  <a:schemeClr val="bg1"/>
+                </a:solidFill>
+              </a:rPr>
+              <a:t>The rock on which I stand</a:t>
+            </a:r>
+          </a:p>
+          <a:p>
+            <a:r>
+              <a:rPr lang="en-GB" sz="3600" dirty="0">
+                <a:solidFill>
+                  <a:schemeClr val="bg1"/>
+                </a:solidFill>
+              </a:rPr>
+              <a:t>When everything around me is shaken</a:t>
+            </a:r>
+          </a:p>
+          <a:p>
+            <a:r>
+              <a:rPr lang="en-GB" sz="3600" dirty="0">
+                <a:solidFill>
+                  <a:schemeClr val="bg1"/>
+                </a:solidFill>
+              </a:rPr>
+              <a:t>I've never been more glad</a:t>
+            </a:r>
+          </a:p>
+        </p:txBody>
+      </p:sp>
+      <p:sp>
+        <p:nvSpPr>
+          <p:cNvPr id="4" name="TextBox 3">
+            <a:extLst>
+              <a:ext uri="{FF2B5EF4-FFF2-40B4-BE49-F238E27FC236}">
+                <a16:creationId xmlns:a16="http://schemas.microsoft.com/office/drawing/2014/main" id="{824497D1-58AE-5694-624B-8A8A306E6F08}"/>
+              </a:ext>
+            </a:extLst>
+          </p:cNvPr>
+          <p:cNvSpPr txBox="1"/>
+          <p:nvPr/>
+        </p:nvSpPr>
+        <p:spPr>
+          <a:xfrm>
+            <a:off x="8388424" y="0"/>
+            <a:ext cx="784189" cy="461665"/>
+          </a:xfrm>
+          <a:prstGeom prst="rect">
+            <a:avLst/>
+          </a:prstGeom>
+          <a:noFill/>
+        </p:spPr>
+        <p:txBody>
+          <a:bodyPr wrap="none" rtlCol="0">
+            <a:spAutoFit/>
+          </a:bodyPr>
+          <a:lstStyle/>
+          <a:p>
+            <a:r>
+              <a:rPr lang="en-GB" sz="2400" b="1" dirty="0">
+                <a:solidFill>
+                  <a:schemeClr val="bg1"/>
+                </a:solidFill>
+              </a:rPr>
+              <a:t>9/11</a:t>
+            </a:r>
+          </a:p>
+        </p:txBody>
+      </p:sp>
+    </p:spTree>
+    <p:extLst>
+      <p:ext uri="{BB962C8B-B14F-4D97-AF65-F5344CB8AC3E}">
+        <p14:creationId xmlns:p14="http://schemas.microsoft.com/office/powerpoint/2010/main" val="3021276324"/>
+      </p:ext>
+    </p:extLst>
+  </p:cSld>
+  <p:clrMapOvr>
+    <a:masterClrMapping/>
+  </p:clrMapOvr>
+</p:sld>
+</file>
+
+<file path=ppt/slides/slide11.xml><?xml version="1.0" encoding="utf-8"?>
+<p:sld xmlns:a="http://schemas.openxmlformats.org/drawingml/2006/main" xmlns:r="http://schemas.openxmlformats.org/officeDocument/2006/relationships" xmlns:p="http://schemas.openxmlformats.org/presentationml/2006/main">
+  <p:cSld>
+    <p:spTree>
+      <p:nvGrpSpPr>
+        <p:cNvPr id="1" name="">
+          <a:extLst>
+            <a:ext uri="{FF2B5EF4-FFF2-40B4-BE49-F238E27FC236}">
+              <a16:creationId xmlns:a16="http://schemas.microsoft.com/office/drawing/2014/main" id="{23D83FB5-F53D-DF2E-57E4-B4DAE07619F9}"/>
+            </a:ext>
+          </a:extLst>
+        </p:cNvPr>
+        <p:cNvGrpSpPr/>
+        <p:nvPr/>
+      </p:nvGrpSpPr>
+      <p:grpSpPr>
+        <a:xfrm>
+          <a:off x="0" y="0"/>
+          <a:ext cx="0" cy="0"/>
+          <a:chOff x="0" y="0"/>
+          <a:chExt cx="0" cy="0"/>
+        </a:xfrm>
+      </p:grpSpPr>
+      <p:sp>
+        <p:nvSpPr>
+          <p:cNvPr id="3" name="Subtitle 2">
+            <a:extLst>
+              <a:ext uri="{FF2B5EF4-FFF2-40B4-BE49-F238E27FC236}">
+                <a16:creationId xmlns:a16="http://schemas.microsoft.com/office/drawing/2014/main" id="{8F72EC77-6804-341F-B94C-B88071B777EB}"/>
+              </a:ext>
+            </a:extLst>
+          </p:cNvPr>
+          <p:cNvSpPr>
+            <a:spLocks noGrp="1"/>
+          </p:cNvSpPr>
+          <p:nvPr>
+            <p:ph type="subTitle" idx="1"/>
+          </p:nvPr>
+        </p:nvSpPr>
+        <p:spPr>
+          <a:xfrm>
+            <a:off x="251520" y="692696"/>
+            <a:ext cx="8640960" cy="6480720"/>
+          </a:xfrm>
+        </p:spPr>
+        <p:txBody>
+          <a:bodyPr>
+            <a:noAutofit/>
+          </a:bodyPr>
+          <a:lstStyle/>
+          <a:p>
+            <a:r>
+              <a:rPr lang="en-GB" sz="3600" dirty="0">
+                <a:solidFill>
+                  <a:schemeClr val="bg1"/>
+                </a:solidFill>
+              </a:rPr>
+              <a:t>That I put my faith in Jesus</a:t>
+            </a:r>
+          </a:p>
+          <a:p>
+            <a:r>
+              <a:rPr lang="en-GB" sz="3600" dirty="0" err="1">
+                <a:solidFill>
+                  <a:schemeClr val="bg1"/>
+                </a:solidFill>
+              </a:rPr>
+              <a:t>'Cause</a:t>
+            </a:r>
+            <a:r>
+              <a:rPr lang="en-GB" sz="3600" dirty="0">
+                <a:solidFill>
+                  <a:schemeClr val="bg1"/>
+                </a:solidFill>
+              </a:rPr>
+              <a:t> He's never let me down</a:t>
+            </a:r>
+          </a:p>
+          <a:p>
+            <a:r>
+              <a:rPr lang="en-GB" sz="3600" dirty="0">
+                <a:solidFill>
+                  <a:schemeClr val="bg1"/>
+                </a:solidFill>
+              </a:rPr>
+              <a:t>He's faithful through generations</a:t>
+            </a:r>
+          </a:p>
+          <a:p>
+            <a:r>
+              <a:rPr lang="en-GB" sz="3600" dirty="0">
+                <a:solidFill>
+                  <a:schemeClr val="bg1"/>
+                </a:solidFill>
+              </a:rPr>
+              <a:t>So why would He fail now</a:t>
+            </a:r>
+          </a:p>
+        </p:txBody>
+      </p:sp>
+      <p:sp>
+        <p:nvSpPr>
+          <p:cNvPr id="4" name="TextBox 3">
+            <a:extLst>
+              <a:ext uri="{FF2B5EF4-FFF2-40B4-BE49-F238E27FC236}">
+                <a16:creationId xmlns:a16="http://schemas.microsoft.com/office/drawing/2014/main" id="{0B7AF634-1276-6116-F372-5CEF9DC00B46}"/>
+              </a:ext>
+            </a:extLst>
+          </p:cNvPr>
+          <p:cNvSpPr txBox="1"/>
+          <p:nvPr/>
+        </p:nvSpPr>
+        <p:spPr>
+          <a:xfrm>
+            <a:off x="8192527" y="0"/>
+            <a:ext cx="939681" cy="461665"/>
+          </a:xfrm>
+          <a:prstGeom prst="rect">
+            <a:avLst/>
+          </a:prstGeom>
+          <a:noFill/>
+        </p:spPr>
+        <p:txBody>
+          <a:bodyPr wrap="none" rtlCol="0">
+            <a:spAutoFit/>
+          </a:bodyPr>
+          <a:lstStyle/>
+          <a:p>
+            <a:r>
+              <a:rPr lang="en-GB" sz="2400" b="1" dirty="0">
+                <a:solidFill>
+                  <a:schemeClr val="bg1"/>
+                </a:solidFill>
+              </a:rPr>
+              <a:t>10/11</a:t>
+            </a:r>
+          </a:p>
+        </p:txBody>
+      </p:sp>
+    </p:spTree>
+    <p:extLst>
+      <p:ext uri="{BB962C8B-B14F-4D97-AF65-F5344CB8AC3E}">
+        <p14:creationId xmlns:p14="http://schemas.microsoft.com/office/powerpoint/2010/main" val="358036408"/>
+      </p:ext>
+    </p:extLst>
+  </p:cSld>
+  <p:clrMapOvr>
+    <a:masterClrMapping/>
+  </p:clrMapOvr>
+</p:sld>
+</file>
+
+<file path=ppt/slides/slide12.xml><?xml version="1.0" encoding="utf-8"?>
+<p:sld xmlns:a="http://schemas.openxmlformats.org/drawingml/2006/main" xmlns:r="http://schemas.openxmlformats.org/officeDocument/2006/relationships" xmlns:p="http://schemas.openxmlformats.org/presentationml/2006/main">
+  <p:cSld>
+    <p:spTree>
+      <p:nvGrpSpPr>
+        <p:cNvPr id="1" name="">
+          <a:extLst>
+            <a:ext uri="{FF2B5EF4-FFF2-40B4-BE49-F238E27FC236}">
+              <a16:creationId xmlns:a16="http://schemas.microsoft.com/office/drawing/2014/main" id="{2E588CCC-7FED-7C25-A215-83C40781EAA9}"/>
+            </a:ext>
+          </a:extLst>
+        </p:cNvPr>
+        <p:cNvGrpSpPr/>
+        <p:nvPr/>
+      </p:nvGrpSpPr>
+      <p:grpSpPr>
+        <a:xfrm>
+          <a:off x="0" y="0"/>
+          <a:ext cx="0" cy="0"/>
+          <a:chOff x="0" y="0"/>
+          <a:chExt cx="0" cy="0"/>
+        </a:xfrm>
+      </p:grpSpPr>
+      <p:sp>
+        <p:nvSpPr>
+          <p:cNvPr id="3" name="Subtitle 2">
+            <a:extLst>
+              <a:ext uri="{FF2B5EF4-FFF2-40B4-BE49-F238E27FC236}">
+                <a16:creationId xmlns:a16="http://schemas.microsoft.com/office/drawing/2014/main" id="{A41FF4CD-96A9-B1D4-E6A2-4BFBC7F6493C}"/>
+              </a:ext>
+            </a:extLst>
+          </p:cNvPr>
+          <p:cNvSpPr>
+            <a:spLocks noGrp="1"/>
+          </p:cNvSpPr>
+          <p:nvPr>
+            <p:ph type="subTitle" idx="1"/>
+          </p:nvPr>
+        </p:nvSpPr>
+        <p:spPr>
+          <a:xfrm>
+            <a:off x="251520" y="764704"/>
+            <a:ext cx="8640960" cy="6480720"/>
+          </a:xfrm>
+        </p:spPr>
+        <p:txBody>
+          <a:bodyPr>
+            <a:noAutofit/>
+          </a:bodyPr>
+          <a:lstStyle/>
+          <a:p>
+            <a:r>
+              <a:rPr lang="en-GB" sz="4000" dirty="0">
+                <a:solidFill>
+                  <a:schemeClr val="bg1"/>
+                </a:solidFill>
+              </a:rPr>
+              <a:t>He won’t</a:t>
+            </a:r>
+            <a:br>
+              <a:rPr lang="en-GB" sz="4000" dirty="0">
+                <a:solidFill>
+                  <a:schemeClr val="bg1"/>
+                </a:solidFill>
+              </a:rPr>
+            </a:br>
+            <a:r>
+              <a:rPr lang="en-GB" sz="4000" dirty="0">
+                <a:solidFill>
+                  <a:schemeClr val="bg1"/>
+                </a:solidFill>
+              </a:rPr>
+              <a:t>He won't</a:t>
+            </a:r>
+          </a:p>
+          <a:p>
+            <a:r>
+              <a:rPr lang="en-GB" sz="4000" dirty="0">
+                <a:solidFill>
+                  <a:schemeClr val="bg1"/>
+                </a:solidFill>
+              </a:rPr>
+              <a:t>He won't fail</a:t>
+            </a:r>
+          </a:p>
+          <a:p>
+            <a:r>
+              <a:rPr lang="en-GB" sz="4000" dirty="0">
+                <a:solidFill>
+                  <a:schemeClr val="bg1"/>
+                </a:solidFill>
+              </a:rPr>
+              <a:t>He won't fail</a:t>
+            </a:r>
+          </a:p>
+        </p:txBody>
+      </p:sp>
+      <p:sp>
+        <p:nvSpPr>
+          <p:cNvPr id="4" name="TextBox 3">
+            <a:extLst>
+              <a:ext uri="{FF2B5EF4-FFF2-40B4-BE49-F238E27FC236}">
+                <a16:creationId xmlns:a16="http://schemas.microsoft.com/office/drawing/2014/main" id="{B5B0DBD3-C0EC-08D9-DB95-5A20347BD8A6}"/>
+              </a:ext>
+            </a:extLst>
+          </p:cNvPr>
+          <p:cNvSpPr txBox="1"/>
+          <p:nvPr/>
+        </p:nvSpPr>
+        <p:spPr>
+          <a:xfrm>
+            <a:off x="8316416" y="0"/>
+            <a:ext cx="939681" cy="461665"/>
+          </a:xfrm>
+          <a:prstGeom prst="rect">
+            <a:avLst/>
+          </a:prstGeom>
+          <a:noFill/>
+        </p:spPr>
+        <p:txBody>
+          <a:bodyPr wrap="none" rtlCol="0">
+            <a:spAutoFit/>
+          </a:bodyPr>
+          <a:lstStyle/>
+          <a:p>
+            <a:r>
+              <a:rPr lang="en-GB" sz="2400" b="1" dirty="0">
+                <a:solidFill>
+                  <a:schemeClr val="bg1"/>
+                </a:solidFill>
+              </a:rPr>
+              <a:t>11/11</a:t>
+            </a:r>
+          </a:p>
+        </p:txBody>
+      </p:sp>
+    </p:spTree>
+    <p:extLst>
+      <p:ext uri="{BB962C8B-B14F-4D97-AF65-F5344CB8AC3E}">
+        <p14:creationId xmlns:p14="http://schemas.microsoft.com/office/powerpoint/2010/main" val="3832469856"/>
+      </p:ext>
+    </p:extLst>
+  </p:cSld>
+  <p:clrMapOvr>
+    <a:masterClrMapping/>
+  </p:clrMapOvr>
+</p:sld>
+</file>
+
 <file path=ppt/slides/slide2.xml><?xml version="1.0" encoding="utf-8"?>
 <p:sld xmlns:a="http://schemas.openxmlformats.org/drawingml/2006/main" xmlns:r="http://schemas.openxmlformats.org/officeDocument/2006/relationships" xmlns:p="http://schemas.openxmlformats.org/presentationml/2006/main">
   <p:cSld>
@@ -3382,54 +3830,6 @@
               <a:t>I've never been more glad</a:t>
             </a:r>
           </a:p>
-          <a:p>
-            <a:r>
-              <a:rPr lang="en-GB" sz="3600" dirty="0">
-                <a:solidFill>
-                  <a:schemeClr val="bg1"/>
-                </a:solidFill>
-              </a:rPr>
-              <a:t>That I put my faith in Jesus</a:t>
-            </a:r>
-          </a:p>
-          <a:p>
-            <a:r>
-              <a:rPr lang="en-GB" sz="3600" dirty="0" err="1">
-                <a:solidFill>
-                  <a:schemeClr val="bg1"/>
-                </a:solidFill>
-              </a:rPr>
-              <a:t>'Cause</a:t>
-            </a:r>
-            <a:r>
-              <a:rPr lang="en-GB" sz="3600" dirty="0">
-                <a:solidFill>
-                  <a:schemeClr val="bg1"/>
-                </a:solidFill>
-              </a:rPr>
-              <a:t> He's never let me down</a:t>
-            </a:r>
-          </a:p>
-          <a:p>
-            <a:r>
-              <a:rPr lang="en-GB" sz="3600" dirty="0">
-                <a:solidFill>
-                  <a:schemeClr val="bg1"/>
-                </a:solidFill>
-              </a:rPr>
-              <a:t>He's faithful through generations</a:t>
-            </a:r>
-          </a:p>
-          <a:p>
-            <a:r>
-              <a:rPr lang="en-GB" sz="3600" dirty="0">
-                <a:solidFill>
-                  <a:schemeClr val="bg1"/>
-                </a:solidFill>
-              </a:rPr>
-              <a:t>So why would He fail now</a:t>
-            </a:r>
-          </a:p>
         </p:txBody>
       </p:sp>
       <p:sp>
@@ -3440,8 +3840,8 @@
         </p:nvSpPr>
         <p:spPr>
           <a:xfrm>
-            <a:off x="8529729" y="0"/>
-            <a:ext cx="628698" cy="461665"/>
+            <a:off x="8388424" y="0"/>
+            <a:ext cx="784189" cy="461665"/>
           </a:xfrm>
           <a:prstGeom prst="rect">
             <a:avLst/>
@@ -3460,7 +3860,7 @@
                   <a:schemeClr val="bg1"/>
                 </a:solidFill>
               </a:rPr>
-              <a:t>1/8</a:t>
+              <a:t>1/11</a:t>
             </a:r>
           </a:p>
         </p:txBody>
@@ -3483,7 +3883,13 @@
   <p:cSld>
     <p:spTree>
       <p:nvGrpSpPr>
-        <p:cNvPr id="1" name=""/>
+        <p:cNvPr id="1" name="">
+          <a:extLst>
+            <a:ext uri="{FF2B5EF4-FFF2-40B4-BE49-F238E27FC236}">
+              <a16:creationId xmlns:a16="http://schemas.microsoft.com/office/drawing/2014/main" id="{98F719FA-A440-CBC2-9F6F-00E8586602B8}"/>
+            </a:ext>
+          </a:extLst>
+        </p:cNvPr>
         <p:cNvGrpSpPr/>
         <p:nvPr/>
       </p:nvGrpSpPr>
@@ -3497,7 +3903,13 @@
       </p:grpSpPr>
       <p:sp>
         <p:nvSpPr>
-          <p:cNvPr id="3" name="Subtitle 2"/>
+          <p:cNvPr id="3" name="Subtitle 2">
+            <a:extLst>
+              <a:ext uri="{FF2B5EF4-FFF2-40B4-BE49-F238E27FC236}">
+                <a16:creationId xmlns:a16="http://schemas.microsoft.com/office/drawing/2014/main" id="{60EBF4FF-D73F-0368-0A47-8DD10FB69641}"/>
+              </a:ext>
+            </a:extLst>
+          </p:cNvPr>
           <p:cNvSpPr>
             <a:spLocks noGrp="1"/>
           </p:cNvSpPr>
@@ -3507,7 +3919,7 @@
         </p:nvSpPr>
         <p:spPr>
           <a:xfrm>
-            <a:off x="323528" y="692696"/>
+            <a:off x="251520" y="692696"/>
             <a:ext cx="8640960" cy="6480720"/>
           </a:xfrm>
         </p:spPr>
@@ -3518,43 +3930,70 @@
           <a:lstStyle/>
           <a:p>
             <a:r>
-              <a:rPr lang="en-GB" sz="4000" dirty="0">
-                <a:solidFill>
-                  <a:schemeClr val="bg1"/>
-                </a:solidFill>
-              </a:rPr>
-              <a:t>He won’t</a:t>
-            </a:r>
-          </a:p>
-          <a:p>
-            <a:r>
-              <a:rPr lang="en-GB" sz="4000" dirty="0">
-                <a:solidFill>
-                  <a:schemeClr val="bg1"/>
-                </a:solidFill>
-              </a:rPr>
-              <a:t>He won't</a:t>
-            </a:r>
-          </a:p>
-          <a:p>
-            <a:endParaRPr lang="en-GB" sz="4000" dirty="0">
-              <a:solidFill>
-                <a:schemeClr val="bg1"/>
-              </a:solidFill>
-            </a:endParaRPr>
-          </a:p>
-        </p:txBody>
-      </p:sp>
-      <p:sp>
-        <p:nvSpPr>
-          <p:cNvPr id="4" name="TextBox 3"/>
+              <a:rPr lang="en-GB" sz="3600" dirty="0">
+                <a:solidFill>
+                  <a:schemeClr val="bg1"/>
+                </a:solidFill>
+              </a:rPr>
+              <a:t>That I put my faith in Jesus</a:t>
+            </a:r>
+          </a:p>
+          <a:p>
+            <a:r>
+              <a:rPr lang="en-GB" sz="3600" dirty="0" err="1">
+                <a:solidFill>
+                  <a:schemeClr val="bg1"/>
+                </a:solidFill>
+              </a:rPr>
+              <a:t>'Cause</a:t>
+            </a:r>
+            <a:r>
+              <a:rPr lang="en-GB" sz="3600" dirty="0">
+                <a:solidFill>
+                  <a:schemeClr val="bg1"/>
+                </a:solidFill>
+              </a:rPr>
+              <a:t> He's never let me down</a:t>
+            </a:r>
+          </a:p>
+          <a:p>
+            <a:r>
+              <a:rPr lang="en-GB" sz="3600" dirty="0">
+                <a:solidFill>
+                  <a:schemeClr val="bg1"/>
+                </a:solidFill>
+              </a:rPr>
+              <a:t>He's faithful through generations</a:t>
+            </a:r>
+          </a:p>
+          <a:p>
+            <a:r>
+              <a:rPr lang="en-GB" sz="3600" dirty="0">
+                <a:solidFill>
+                  <a:schemeClr val="bg1"/>
+                </a:solidFill>
+              </a:rPr>
+              <a:t>So why would He fail now</a:t>
+            </a:r>
+          </a:p>
+        </p:txBody>
+      </p:sp>
+      <p:sp>
+        <p:nvSpPr>
+          <p:cNvPr id="4" name="TextBox 3">
+            <a:extLst>
+              <a:ext uri="{FF2B5EF4-FFF2-40B4-BE49-F238E27FC236}">
+                <a16:creationId xmlns:a16="http://schemas.microsoft.com/office/drawing/2014/main" id="{D96B425B-D41C-24DD-3A5F-EBB18770A7BC}"/>
+              </a:ext>
+            </a:extLst>
+          </p:cNvPr>
           <p:cNvSpPr txBox="1"/>
           <p:nvPr/>
         </p:nvSpPr>
         <p:spPr>
           <a:xfrm>
-            <a:off x="8529729" y="0"/>
-            <a:ext cx="628698" cy="461665"/>
+            <a:off x="8460432" y="0"/>
+            <a:ext cx="784189" cy="461665"/>
           </a:xfrm>
           <a:prstGeom prst="rect">
             <a:avLst/>
@@ -3573,7 +4012,7 @@
                   <a:schemeClr val="bg1"/>
                 </a:solidFill>
               </a:rPr>
-              <a:t>2/8</a:t>
+              <a:t>2/11</a:t>
             </a:r>
           </a:p>
         </p:txBody>
@@ -3581,7 +4020,7 @@
     </p:spTree>
     <p:extLst>
       <p:ext uri="{BB962C8B-B14F-4D97-AF65-F5344CB8AC3E}">
-        <p14:creationId xmlns:p14="http://schemas.microsoft.com/office/powerpoint/2010/main" val="2793727316"/>
+        <p14:creationId xmlns:p14="http://schemas.microsoft.com/office/powerpoint/2010/main" val="537133440"/>
       </p:ext>
     </p:extLst>
   </p:cSld>
@@ -3620,7 +4059,7 @@
         </p:nvSpPr>
         <p:spPr>
           <a:xfrm>
-            <a:off x="251520" y="692696"/>
+            <a:off x="323528" y="692696"/>
             <a:ext cx="8640960" cy="6480720"/>
           </a:xfrm>
         </p:spPr>
@@ -3631,91 +4070,30 @@
           <a:lstStyle/>
           <a:p>
             <a:r>
-              <a:rPr lang="en-GB" sz="3600" dirty="0">
-                <a:solidFill>
-                  <a:schemeClr val="bg1"/>
-                </a:solidFill>
-              </a:rPr>
-              <a:t>I've still got joy in chaos</a:t>
-            </a:r>
-          </a:p>
-          <a:p>
-            <a:r>
-              <a:rPr lang="en-GB" sz="3600" dirty="0">
-                <a:solidFill>
-                  <a:schemeClr val="bg1"/>
-                </a:solidFill>
-              </a:rPr>
-              <a:t>I've got peace that makes no sense</a:t>
-            </a:r>
-          </a:p>
-          <a:p>
-            <a:r>
-              <a:rPr lang="en-GB" sz="3600" dirty="0">
-                <a:solidFill>
-                  <a:schemeClr val="bg1"/>
-                </a:solidFill>
-              </a:rPr>
-              <a:t>So I won't be going under</a:t>
-            </a:r>
-          </a:p>
-          <a:p>
-            <a:r>
-              <a:rPr lang="en-GB" sz="3600" dirty="0">
-                <a:solidFill>
-                  <a:schemeClr val="bg1"/>
-                </a:solidFill>
-              </a:rPr>
-              <a:t>I'm not held by my own strength</a:t>
-            </a:r>
-          </a:p>
-          <a:p>
-            <a:r>
-              <a:rPr lang="en-GB" sz="3600" dirty="0" err="1">
-                <a:solidFill>
-                  <a:schemeClr val="bg1"/>
-                </a:solidFill>
-              </a:rPr>
-              <a:t>'Cause</a:t>
-            </a:r>
-            <a:r>
-              <a:rPr lang="en-GB" sz="3600" dirty="0">
-                <a:solidFill>
-                  <a:schemeClr val="bg1"/>
-                </a:solidFill>
-              </a:rPr>
-              <a:t> I've built my life on Jesus</a:t>
-            </a:r>
-          </a:p>
-          <a:p>
-            <a:r>
-              <a:rPr lang="en-GB" sz="3600" dirty="0">
-                <a:solidFill>
-                  <a:schemeClr val="bg1"/>
-                </a:solidFill>
-              </a:rPr>
-              <a:t>He's never let me down</a:t>
-            </a:r>
-          </a:p>
-          <a:p>
-            <a:r>
-              <a:rPr lang="en-GB" sz="3600" dirty="0">
-                <a:solidFill>
-                  <a:schemeClr val="bg1"/>
-                </a:solidFill>
-              </a:rPr>
-              <a:t>He's faithful in every season</a:t>
-            </a:r>
-          </a:p>
-          <a:p>
-            <a:r>
-              <a:rPr lang="en-GB" sz="3600" dirty="0">
-                <a:solidFill>
-                  <a:schemeClr val="bg1"/>
-                </a:solidFill>
-              </a:rPr>
-              <a:t>So why would He fail now</a:t>
-            </a:r>
+              <a:rPr lang="en-GB" sz="4000" dirty="0">
+                <a:solidFill>
+                  <a:schemeClr val="bg1"/>
+                </a:solidFill>
+              </a:rPr>
+              <a:t>He won’t</a:t>
+            </a:r>
+          </a:p>
+          <a:p>
+            <a:r>
+              <a:rPr lang="en-GB" sz="4000" dirty="0">
+                <a:solidFill>
+                  <a:schemeClr val="bg1"/>
+                </a:solidFill>
+              </a:rPr>
+              <a:t>He won't</a:t>
+            </a:r>
+          </a:p>
+          <a:p>
+            <a:endParaRPr lang="en-GB" sz="4000" dirty="0">
+              <a:solidFill>
+                <a:schemeClr val="bg1"/>
+              </a:solidFill>
+            </a:endParaRPr>
           </a:p>
         </p:txBody>
       </p:sp>
@@ -3727,8 +4105,8 @@
         </p:nvSpPr>
         <p:spPr>
           <a:xfrm>
-            <a:off x="8529729" y="0"/>
-            <a:ext cx="628698" cy="461665"/>
+            <a:off x="8335790" y="0"/>
+            <a:ext cx="784189" cy="461665"/>
           </a:xfrm>
           <a:prstGeom prst="rect">
             <a:avLst/>
@@ -3747,7 +4125,7 @@
                   <a:schemeClr val="bg1"/>
                 </a:solidFill>
               </a:rPr>
-              <a:t>3/8</a:t>
+              <a:t>3/11</a:t>
             </a:r>
           </a:p>
         </p:txBody>
@@ -3755,7 +4133,7 @@
     </p:spTree>
     <p:extLst>
       <p:ext uri="{BB962C8B-B14F-4D97-AF65-F5344CB8AC3E}">
-        <p14:creationId xmlns:p14="http://schemas.microsoft.com/office/powerpoint/2010/main" val="1975335226"/>
+        <p14:creationId xmlns:p14="http://schemas.microsoft.com/office/powerpoint/2010/main" val="2793727316"/>
       </p:ext>
     </p:extLst>
   </p:cSld>
@@ -3794,7 +4172,7 @@
         </p:nvSpPr>
         <p:spPr>
           <a:xfrm>
-            <a:off x="251520" y="764704"/>
+            <a:off x="251520" y="692696"/>
             <a:ext cx="8640960" cy="6480720"/>
           </a:xfrm>
         </p:spPr>
@@ -3805,47 +4183,42 @@
           <a:lstStyle/>
           <a:p>
             <a:r>
-              <a:rPr lang="en-GB" sz="4000" dirty="0">
-                <a:solidFill>
-                  <a:schemeClr val="bg1"/>
-                </a:solidFill>
-              </a:rPr>
-              <a:t>He won’t</a:t>
-            </a:r>
-            <a:br>
-              <a:rPr lang="en-GB" sz="4000" dirty="0">
-                <a:solidFill>
-                  <a:schemeClr val="bg1"/>
-                </a:solidFill>
-              </a:rPr>
-            </a:br>
-            <a:r>
-              <a:rPr lang="en-GB" sz="4000" dirty="0">
-                <a:solidFill>
-                  <a:schemeClr val="bg1"/>
-                </a:solidFill>
-              </a:rPr>
-              <a:t>He won't</a:t>
-            </a:r>
-          </a:p>
-          <a:p>
-            <a:r>
-              <a:rPr lang="en-GB" sz="4000" dirty="0">
-                <a:solidFill>
-                  <a:schemeClr val="bg1"/>
-                </a:solidFill>
-              </a:rPr>
-              <a:t>He won't fail</a:t>
-            </a:r>
-          </a:p>
-          <a:p>
-            <a:r>
-              <a:rPr lang="en-GB" sz="4000" dirty="0">
-                <a:solidFill>
-                  <a:schemeClr val="bg1"/>
-                </a:solidFill>
-              </a:rPr>
-              <a:t>He won't fail</a:t>
+              <a:rPr lang="en-GB" sz="3600" dirty="0">
+                <a:solidFill>
+                  <a:schemeClr val="bg1"/>
+                </a:solidFill>
+              </a:rPr>
+              <a:t>I've still got joy in chaos</a:t>
+            </a:r>
+          </a:p>
+          <a:p>
+            <a:r>
+              <a:rPr lang="en-GB" sz="3600" dirty="0">
+                <a:solidFill>
+                  <a:schemeClr val="bg1"/>
+                </a:solidFill>
+              </a:rPr>
+              <a:t>I've got peace that makes no sense</a:t>
+            </a:r>
+          </a:p>
+          <a:p>
+            <a:r>
+              <a:rPr lang="en-GB" sz="3600" dirty="0">
+                <a:solidFill>
+                  <a:schemeClr val="bg1"/>
+                </a:solidFill>
+              </a:rPr>
+              <a:t>So I won't be going under</a:t>
+            </a:r>
+          </a:p>
+          <a:p>
+            <a:r>
+              <a:rPr lang="en-GB" sz="3600" dirty="0">
+                <a:solidFill>
+                  <a:schemeClr val="bg1"/>
+                </a:solidFill>
+              </a:rPr>
+              <a:t>I'm not held by my own strength</a:t>
             </a:r>
           </a:p>
         </p:txBody>
@@ -3858,8 +4231,8 @@
         </p:nvSpPr>
         <p:spPr>
           <a:xfrm>
-            <a:off x="8529729" y="0"/>
-            <a:ext cx="628698" cy="461665"/>
+            <a:off x="8388424" y="0"/>
+            <a:ext cx="784189" cy="461665"/>
           </a:xfrm>
           <a:prstGeom prst="rect">
             <a:avLst/>
@@ -3878,7 +4251,7 @@
                   <a:schemeClr val="bg1"/>
                 </a:solidFill>
               </a:rPr>
-              <a:t>4/8</a:t>
+              <a:t>4/11</a:t>
             </a:r>
           </a:p>
         </p:txBody>
@@ -3886,7 +4259,7 @@
     </p:spTree>
     <p:extLst>
       <p:ext uri="{BB962C8B-B14F-4D97-AF65-F5344CB8AC3E}">
-        <p14:creationId xmlns:p14="http://schemas.microsoft.com/office/powerpoint/2010/main" val="2414663546"/>
+        <p14:creationId xmlns:p14="http://schemas.microsoft.com/office/powerpoint/2010/main" val="1975335226"/>
       </p:ext>
     </p:extLst>
   </p:cSld>
@@ -3901,7 +4274,13 @@
   <p:cSld>
     <p:spTree>
       <p:nvGrpSpPr>
-        <p:cNvPr id="1" name=""/>
+        <p:cNvPr id="1" name="">
+          <a:extLst>
+            <a:ext uri="{FF2B5EF4-FFF2-40B4-BE49-F238E27FC236}">
+              <a16:creationId xmlns:a16="http://schemas.microsoft.com/office/drawing/2014/main" id="{61BB7801-58DA-2574-9CF4-2707124027EF}"/>
+            </a:ext>
+          </a:extLst>
+        </p:cNvPr>
         <p:cNvGrpSpPr/>
         <p:nvPr/>
       </p:nvGrpSpPr>
@@ -3915,7 +4294,13 @@
       </p:grpSpPr>
       <p:sp>
         <p:nvSpPr>
-          <p:cNvPr id="3" name="Subtitle 2"/>
+          <p:cNvPr id="3" name="Subtitle 2">
+            <a:extLst>
+              <a:ext uri="{FF2B5EF4-FFF2-40B4-BE49-F238E27FC236}">
+                <a16:creationId xmlns:a16="http://schemas.microsoft.com/office/drawing/2014/main" id="{AE02BABF-8956-7384-68EA-DF1D63497C7E}"/>
+              </a:ext>
+            </a:extLst>
+          </p:cNvPr>
           <p:cNvSpPr>
             <a:spLocks noGrp="1"/>
           </p:cNvSpPr>
@@ -3925,7 +4310,7 @@
         </p:nvSpPr>
         <p:spPr>
           <a:xfrm>
-            <a:off x="323528" y="764704"/>
+            <a:off x="251520" y="692696"/>
             <a:ext cx="8640960" cy="6480720"/>
           </a:xfrm>
         </p:spPr>
@@ -3936,56 +4321,70 @@
           <a:lstStyle/>
           <a:p>
             <a:r>
-              <a:rPr lang="en-GB" sz="4000" dirty="0">
-                <a:solidFill>
-                  <a:schemeClr val="bg1"/>
-                </a:solidFill>
-              </a:rPr>
-              <a:t>Rain came and wind blew</a:t>
-            </a:r>
-          </a:p>
-          <a:p>
-            <a:r>
-              <a:rPr lang="en-GB" sz="4000" dirty="0">
-                <a:solidFill>
-                  <a:schemeClr val="bg1"/>
-                </a:solidFill>
-              </a:rPr>
-              <a:t>My house was built on You</a:t>
-            </a:r>
-          </a:p>
-          <a:p>
-            <a:r>
-              <a:rPr lang="en-GB" sz="4000" dirty="0">
-                <a:solidFill>
-                  <a:schemeClr val="bg1"/>
-                </a:solidFill>
-              </a:rPr>
-              <a:t>I'm safe with You</a:t>
-            </a:r>
-          </a:p>
-          <a:p>
-            <a:r>
-              <a:rPr lang="en-GB" sz="4000" dirty="0">
-                <a:solidFill>
-                  <a:schemeClr val="bg1"/>
-                </a:solidFill>
-              </a:rPr>
-              <a:t>I'm going to make it through</a:t>
-            </a:r>
-          </a:p>
-        </p:txBody>
-      </p:sp>
-      <p:sp>
-        <p:nvSpPr>
-          <p:cNvPr id="4" name="TextBox 3"/>
+              <a:rPr lang="en-GB" sz="3600" dirty="0" err="1">
+                <a:solidFill>
+                  <a:schemeClr val="bg1"/>
+                </a:solidFill>
+              </a:rPr>
+              <a:t>'Cause</a:t>
+            </a:r>
+            <a:r>
+              <a:rPr lang="en-GB" sz="3600" dirty="0">
+                <a:solidFill>
+                  <a:schemeClr val="bg1"/>
+                </a:solidFill>
+              </a:rPr>
+              <a:t> I've built my life on Jesus</a:t>
+            </a:r>
+          </a:p>
+          <a:p>
+            <a:r>
+              <a:rPr lang="en-GB" sz="3600" dirty="0">
+                <a:solidFill>
+                  <a:schemeClr val="bg1"/>
+                </a:solidFill>
+              </a:rPr>
+              <a:t>He's never let me down</a:t>
+            </a:r>
+          </a:p>
+          <a:p>
+            <a:r>
+              <a:rPr lang="en-GB" sz="3600" dirty="0">
+                <a:solidFill>
+                  <a:schemeClr val="bg1"/>
+                </a:solidFill>
+              </a:rPr>
+              <a:t>He's faithful in every season</a:t>
+            </a:r>
+          </a:p>
+          <a:p>
+            <a:r>
+              <a:rPr lang="en-GB" sz="3600" dirty="0">
+                <a:solidFill>
+                  <a:schemeClr val="bg1"/>
+                </a:solidFill>
+              </a:rPr>
+              <a:t>So why would He fail now</a:t>
+            </a:r>
+          </a:p>
+        </p:txBody>
+      </p:sp>
+      <p:sp>
+        <p:nvSpPr>
+          <p:cNvPr id="4" name="TextBox 3">
+            <a:extLst>
+              <a:ext uri="{FF2B5EF4-FFF2-40B4-BE49-F238E27FC236}">
+                <a16:creationId xmlns:a16="http://schemas.microsoft.com/office/drawing/2014/main" id="{011D67F3-9193-41CE-932D-DB11C54E4C22}"/>
+              </a:ext>
+            </a:extLst>
+          </p:cNvPr>
           <p:cNvSpPr txBox="1"/>
           <p:nvPr/>
         </p:nvSpPr>
         <p:spPr>
           <a:xfrm>
-            <a:off x="8529729" y="0"/>
-            <a:ext cx="628698" cy="461665"/>
+            <a:off x="8291033" y="-14941"/>
+            <a:ext cx="784189" cy="461665"/>
           </a:xfrm>
           <a:prstGeom prst="rect">
             <a:avLst/>
@@ -4004,7 +4403,7 @@
                   <a:schemeClr val="bg1"/>
                 </a:solidFill>
               </a:rPr>
-              <a:t>5/8</a:t>
+              <a:t>5/11</a:t>
             </a:r>
           </a:p>
         </p:txBody>
@@ -4012,7 +4411,7 @@
     </p:spTree>
     <p:extLst>
       <p:ext uri="{BB962C8B-B14F-4D97-AF65-F5344CB8AC3E}">
-        <p14:creationId xmlns:p14="http://schemas.microsoft.com/office/powerpoint/2010/main" val="3141125249"/>
+        <p14:creationId xmlns:p14="http://schemas.microsoft.com/office/powerpoint/2010/main" val="1354491588"/>
       </p:ext>
     </p:extLst>
   </p:cSld>
@@ -4067,53 +4466,42 @@
                   <a:schemeClr val="bg1"/>
                 </a:solidFill>
               </a:rPr>
-              <a:t>I'm going to make it through</a:t>
-            </a:r>
-          </a:p>
-          <a:p>
-            <a:r>
-              <a:rPr lang="en-GB" sz="4000" dirty="0" err="1">
-                <a:solidFill>
-                  <a:schemeClr val="bg1"/>
-                </a:solidFill>
-              </a:rPr>
-              <a:t>‘Cause</a:t>
-            </a:r>
-            <a:r>
+              <a:t>He won’t</a:t>
+            </a:r>
+            <a:br>
               <a:rPr lang="en-GB" sz="4000" dirty="0">
                 <a:solidFill>
                   <a:schemeClr val="bg1"/>
                 </a:solidFill>
               </a:rPr>
-              <a:t> I’m standing strong on You</a:t>
-            </a:r>
-          </a:p>
-          <a:p>
+            </a:br>
             <a:r>
               <a:rPr lang="en-GB" sz="4000" dirty="0">
                 <a:solidFill>
                   <a:schemeClr val="bg1"/>
                 </a:solidFill>
               </a:rPr>
-              <a:t>I’m going to make it through</a:t>
-            </a:r>
-          </a:p>
-          <a:p>
-            <a:r>
-              <a:rPr lang="en-GB" sz="4000" dirty="0" err="1">
-                <a:solidFill>
-                  <a:schemeClr val="bg1"/>
-                </a:solidFill>
-              </a:rPr>
-              <a:t>‘Cause</a:t>
-            </a:r>
+              <a:t>He won't</a:t>
+            </a:r>
+          </a:p>
+          <a:p>
             <a:r>
               <a:rPr lang="en-GB" sz="4000" dirty="0">
                 <a:solidFill>
                   <a:schemeClr val="bg1"/>
                 </a:solidFill>
               </a:rPr>
-              <a:t> my house is built on You</a:t>
+              <a:t>He won't fail</a:t>
+            </a:r>
+          </a:p>
+          <a:p>
+            <a:r>
+              <a:rPr lang="en-GB" sz="4000" dirty="0">
+                <a:solidFill>
+                  <a:schemeClr val="bg1"/>
+                </a:solidFill>
+              </a:rPr>
+              <a:t>He won't fail</a:t>
             </a:r>
           </a:p>
         </p:txBody>
@@ -4126,8 +4514,8 @@
         </p:nvSpPr>
         <p:spPr>
           <a:xfrm>
-            <a:off x="8529729" y="0"/>
-            <a:ext cx="628698" cy="461665"/>
+            <a:off x="8388424" y="0"/>
+            <a:ext cx="784189" cy="461665"/>
           </a:xfrm>
           <a:prstGeom prst="rect">
             <a:avLst/>
@@ -4146,7 +4534,7 @@
                   <a:schemeClr val="bg1"/>
                 </a:solidFill>
               </a:rPr>
-              <a:t>6/8</a:t>
+              <a:t>6/11</a:t>
             </a:r>
           </a:p>
         </p:txBody>
@@ -4154,7 +4542,7 @@
     </p:spTree>
     <p:extLst>
       <p:ext uri="{BB962C8B-B14F-4D97-AF65-F5344CB8AC3E}">
-        <p14:creationId xmlns:p14="http://schemas.microsoft.com/office/powerpoint/2010/main" val="990000169"/>
+        <p14:creationId xmlns:p14="http://schemas.microsoft.com/office/powerpoint/2010/main" val="2414663546"/>
       </p:ext>
     </p:extLst>
   </p:cSld>
@@ -4193,7 +4581,7 @@
         </p:nvSpPr>
         <p:spPr>
           <a:xfrm>
-            <a:off x="251520" y="692696"/>
+            <a:off x="323528" y="764704"/>
             <a:ext cx="8640960" cy="6480720"/>
           </a:xfrm>
         </p:spPr>
@@ -4204,90 +4592,42 @@
           <a:lstStyle/>
           <a:p>
             <a:r>
-              <a:rPr lang="en-GB" sz="3600" dirty="0">
-                <a:solidFill>
-                  <a:schemeClr val="bg1"/>
-                </a:solidFill>
-              </a:rPr>
-              <a:t>Christ is my firm foundation</a:t>
-            </a:r>
-          </a:p>
-          <a:p>
-            <a:r>
-              <a:rPr lang="en-GB" sz="3600" dirty="0">
-                <a:solidFill>
-                  <a:schemeClr val="bg1"/>
-                </a:solidFill>
-              </a:rPr>
-              <a:t>The rock on which I stand</a:t>
-            </a:r>
-          </a:p>
-          <a:p>
-            <a:r>
-              <a:rPr lang="en-GB" sz="3600" dirty="0">
-                <a:solidFill>
-                  <a:schemeClr val="bg1"/>
-                </a:solidFill>
-              </a:rPr>
-              <a:t>When everything around me is shaken</a:t>
-            </a:r>
-          </a:p>
-          <a:p>
-            <a:r>
-              <a:rPr lang="en-GB" sz="3600" dirty="0">
-                <a:solidFill>
-                  <a:schemeClr val="bg1"/>
-                </a:solidFill>
-              </a:rPr>
-              <a:t>I've never been more glad</a:t>
-            </a:r>
-          </a:p>
-          <a:p>
-            <a:r>
-              <a:rPr lang="en-GB" sz="3600" dirty="0">
-                <a:solidFill>
-                  <a:schemeClr val="bg1"/>
-                </a:solidFill>
-              </a:rPr>
-              <a:t>That I put my faith in Jesus</a:t>
-            </a:r>
-          </a:p>
-          <a:p>
-            <a:r>
-              <a:rPr lang="en-GB" sz="3600" dirty="0" err="1">
-                <a:solidFill>
-                  <a:schemeClr val="bg1"/>
-                </a:solidFill>
-              </a:rPr>
-              <a:t>'Cause</a:t>
-            </a:r>
-            <a:r>
-              <a:rPr lang="en-GB" sz="3600" dirty="0">
-                <a:solidFill>
-                  <a:schemeClr val="bg1"/>
-                </a:solidFill>
-              </a:rPr>
-              <a:t> He's never let me down</a:t>
-            </a:r>
-          </a:p>
-          <a:p>
-            <a:r>
-              <a:rPr lang="en-GB" sz="3600" dirty="0">
-                <a:solidFill>
-                  <a:schemeClr val="bg1"/>
-                </a:solidFill>
-              </a:rPr>
-              <a:t>He's faithful through generations</a:t>
-            </a:r>
-          </a:p>
-          <a:p>
-            <a:r>
-              <a:rPr lang="en-GB" sz="3600" dirty="0">
-                <a:solidFill>
-                  <a:schemeClr val="bg1"/>
-                </a:solidFill>
-              </a:rPr>
-              <a:t>So why would He fail now</a:t>
+              <a:rPr lang="en-GB" sz="4000" dirty="0">
+                <a:solidFill>
+                  <a:schemeClr val="bg1"/>
+                </a:solidFill>
+              </a:rPr>
+              <a:t>Rain came and wind blew</a:t>
+            </a:r>
+          </a:p>
+          <a:p>
+            <a:r>
+              <a:rPr lang="en-GB" sz="4000" dirty="0">
+                <a:solidFill>
+                  <a:schemeClr val="bg1"/>
+                </a:solidFill>
+              </a:rPr>
+              <a:t>My house was built on You</a:t>
+            </a:r>
+          </a:p>
+          <a:p>
+            <a:r>
+              <a:rPr lang="en-GB" sz="4000" dirty="0">
+                <a:solidFill>
+                  <a:schemeClr val="bg1"/>
+                </a:solidFill>
+              </a:rPr>
+              <a:t>I'm safe with You</a:t>
+            </a:r>
+          </a:p>
+          <a:p>
+            <a:r>
+              <a:rPr lang="en-GB" sz="4000" dirty="0">
+                <a:solidFill>
+                  <a:schemeClr val="bg1"/>
+                </a:solidFill>
+              </a:rPr>
+              <a:t>I'm going to make it through</a:t>
             </a:r>
           </a:p>
         </p:txBody>
@@ -4300,8 +4640,8 @@
         </p:nvSpPr>
         <p:spPr>
           <a:xfrm>
-            <a:off x="8529729" y="0"/>
-            <a:ext cx="628698" cy="461665"/>
+            <a:off x="8320530" y="-14941"/>
+            <a:ext cx="784189" cy="461665"/>
           </a:xfrm>
           <a:prstGeom prst="rect">
             <a:avLst/>
@@ -4320,7 +4660,7 @@
                   <a:schemeClr val="bg1"/>
                 </a:solidFill>
               </a:rPr>
-              <a:t>7/8</a:t>
+              <a:t>7/11</a:t>
             </a:r>
           </a:p>
         </p:txBody>
@@ -4328,7 +4668,7 @@
     </p:spTree>
     <p:extLst>
       <p:ext uri="{BB962C8B-B14F-4D97-AF65-F5344CB8AC3E}">
-        <p14:creationId xmlns:p14="http://schemas.microsoft.com/office/powerpoint/2010/main" val="4196310026"/>
+        <p14:creationId xmlns:p14="http://schemas.microsoft.com/office/powerpoint/2010/main" val="3141125249"/>
       </p:ext>
     </p:extLst>
   </p:cSld>
@@ -4343,13 +4683,7 @@
   <p:cSld>
     <p:spTree>
       <p:nvGrpSpPr>
-        <p:cNvPr id="1" name="">
-          <a:extLst>
-            <a:ext uri="{FF2B5EF4-FFF2-40B4-BE49-F238E27FC236}">
-              <a16:creationId xmlns:a16="http://schemas.microsoft.com/office/drawing/2014/main" id="{2E588CCC-7FED-7C25-A215-83C40781EAA9}"/>
-            </a:ext>
-          </a:extLst>
-        </p:cNvPr>
+        <p:cNvPr id="1" name=""/>
         <p:cNvGrpSpPr/>
         <p:nvPr/>
       </p:nvGrpSpPr>
@@ -4363,13 +4697,7 @@
       </p:grpSpPr>
       <p:sp>
         <p:nvSpPr>
-          <p:cNvPr id="3" name="Subtitle 2">
-            <a:extLst>
-              <a:ext uri="{FF2B5EF4-FFF2-40B4-BE49-F238E27FC236}">
-                <a16:creationId xmlns:a16="http://schemas.microsoft.com/office/drawing/2014/main" id="{A41FF4CD-96A9-B1D4-E6A2-4BFBC7F6493C}"/>
-              </a:ext>
-            </a:extLst>
-          </p:cNvPr>
+          <p:cNvPr id="3" name="Subtitle 2"/>
           <p:cNvSpPr>
             <a:spLocks noGrp="1"/>
           </p:cNvSpPr>
@@ -4395,62 +4723,67 @@
                   <a:schemeClr val="bg1"/>
                 </a:solidFill>
               </a:rPr>
-              <a:t>He won’t</a:t>
-            </a:r>
-            <a:br>
+              <a:t>I'm going to make it through</a:t>
+            </a:r>
+          </a:p>
+          <a:p>
+            <a:r>
+              <a:rPr lang="en-GB" sz="4000" dirty="0" err="1">
+                <a:solidFill>
+                  <a:schemeClr val="bg1"/>
+                </a:solidFill>
+              </a:rPr>
+              <a:t>‘Cause</a:t>
+            </a:r>
+            <a:r>
               <a:rPr lang="en-GB" sz="4000" dirty="0">
                 <a:solidFill>
                   <a:schemeClr val="bg1"/>
                 </a:solidFill>
               </a:rPr>
-            </a:br>
+              <a:t> I’m standing strong on You</a:t>
+            </a:r>
+          </a:p>
+          <a:p>
             <a:r>
               <a:rPr lang="en-GB" sz="4000" dirty="0">
                 <a:solidFill>
                   <a:schemeClr val="bg1"/>
                 </a:solidFill>
               </a:rPr>
-              <a:t>He won't</a:t>
-            </a:r>
-          </a:p>
-          <a:p>
+              <a:t>I’m going to make it through</a:t>
+            </a:r>
+          </a:p>
+          <a:p>
+            <a:r>
+              <a:rPr lang="en-GB" sz="4000" dirty="0" err="1">
+                <a:solidFill>
+                  <a:schemeClr val="bg1"/>
+                </a:solidFill>
+              </a:rPr>
+              <a:t>‘Cause</a:t>
+            </a:r>
             <a:r>
               <a:rPr lang="en-GB" sz="4000" dirty="0">
                 <a:solidFill>
                   <a:schemeClr val="bg1"/>
                 </a:solidFill>
               </a:rPr>
-              <a:t>He won't fail</a:t>
-            </a:r>
-          </a:p>
-          <a:p>
-            <a:r>
-              <a:rPr lang="en-GB" sz="4000" dirty="0">
-                <a:solidFill>
-                  <a:schemeClr val="bg1"/>
-                </a:solidFill>
-              </a:rPr>
-              <a:t>He won't fail</a:t>
-            </a:r>
-          </a:p>
-        </p:txBody>
-      </p:sp>
-      <p:sp>
-        <p:nvSpPr>
-          <p:cNvPr id="4" name="TextBox 3">
-            <a:extLst>
-              <a:ext uri="{FF2B5EF4-FFF2-40B4-BE49-F238E27FC236}">
-                <a16:creationId xmlns:a16="http://schemas.microsoft.com/office/drawing/2014/main" id="{B5B0DBD3-C0EC-08D9-DB95-5A20347BD8A6}"/>
-              </a:ext>
-            </a:extLst>
-          </p:cNvPr>
+              <a:t> my house is built on You</a:t>
+            </a:r>
+          </a:p>
+        </p:txBody>
+      </p:sp>
+      <p:sp>
+        <p:nvSpPr>
+          <p:cNvPr id="4" name="TextBox 3"/>
           <p:cNvSpPr txBox="1"/>
           <p:nvPr/>
         </p:nvSpPr>
         <p:spPr>
           <a:xfrm>
-            <a:off x="8529729" y="0"/>
-            <a:ext cx="628698" cy="461665"/>
+            <a:off x="8370580" y="-14941"/>
+            <a:ext cx="784189" cy="461665"/>
           </a:xfrm>
           <a:prstGeom prst="rect">
             <a:avLst/>
@@ -4469,7 +4802,7 @@
                   <a:schemeClr val="bg1"/>
                 </a:solidFill>
               </a:rPr>
-              <a:t>8/8</a:t>
+              <a:t>8/11</a:t>
             </a:r>
           </a:p>
         </p:txBody>
@@ -4477,7 +4810,7 @@
     </p:spTree>
     <p:extLst>
       <p:ext uri="{BB962C8B-B14F-4D97-AF65-F5344CB8AC3E}">
-        <p14:creationId xmlns:p14="http://schemas.microsoft.com/office/powerpoint/2010/main" val="3832469856"/>
+        <p14:creationId xmlns:p14="http://schemas.microsoft.com/office/powerpoint/2010/main" val="990000169"/>
       </p:ext>
     </p:extLst>
   </p:cSld>
